--- a/2. Web Development and Database/Day 13/Slides/6. Hibernate Mapping using XML/hibernate-mapping-using-xml-slides.pptx
+++ b/2. Web Development and Database/Day 13/Slides/6. Hibernate Mapping using XML/hibernate-mapping-using-xml-slides.pptx
@@ -7,7 +7,7 @@
     <p:sldMasterId id="2147483666" r:id="rId4"/>
   </p:sldMasterIdLst>
   <p:notesMasterIdLst>
-    <p:notesMasterId r:id="rId18"/>
+    <p:notesMasterId r:id="rId20"/>
   </p:notesMasterIdLst>
   <p:sldIdLst>
     <p:sldId id="256" r:id="rId5"/>
@@ -23,6 +23,8 @@
     <p:sldId id="291" r:id="rId15"/>
     <p:sldId id="292" r:id="rId16"/>
     <p:sldId id="293" r:id="rId17"/>
+    <p:sldId id="294" r:id="rId18"/>
+    <p:sldId id="295" r:id="rId19"/>
   </p:sldIdLst>
   <p:sldSz cx="18288000" cy="10287000"/>
   <p:notesSz cx="18288000" cy="10287000"/>
@@ -7589,6 +7591,428 @@
                 <a:sym typeface="+mn-ea"/>
               </a:rPr>
               <a:t>Many-to-Many XML Mapping</a:t>
+            </a:r>
+            <a:endParaRPr sz="3600" b="1" spc="-40" dirty="0">
+              <a:solidFill>
+                <a:srgbClr val="2A9FBC"/>
+              </a:solidFill>
+              <a:latin typeface="Arial" panose="020B0604020202020204"/>
+              <a:cs typeface="Arial" panose="020B0604020202020204"/>
+              <a:sym typeface="+mn-ea"/>
+            </a:endParaRPr>
+          </a:p>
+        </p:txBody>
+      </p:sp>
+    </p:spTree>
+  </p:cSld>
+  <p:clrMapOvr>
+    <a:masterClrMapping/>
+  </p:clrMapOvr>
+</p:sld>
+</file>
+
+<file path=ppt/slides/slide14.xml><?xml version="1.0" encoding="utf-8"?>
+<p:sld xmlns:a="http://schemas.openxmlformats.org/drawingml/2006/main" xmlns:r="http://schemas.openxmlformats.org/officeDocument/2006/relationships" xmlns:p="http://schemas.openxmlformats.org/presentationml/2006/main">
+  <p:cSld>
+    <p:spTree>
+      <p:nvGrpSpPr>
+        <p:cNvPr id="1" name=""/>
+        <p:cNvGrpSpPr/>
+        <p:nvPr/>
+      </p:nvGrpSpPr>
+      <p:grpSpPr>
+        <a:xfrm>
+          <a:off x="0" y="0"/>
+          <a:ext cx="0" cy="0"/>
+          <a:chOff x="0" y="0"/>
+          <a:chExt cx="0" cy="0"/>
+        </a:xfrm>
+      </p:grpSpPr>
+      <p:grpSp>
+        <p:nvGrpSpPr>
+          <p:cNvPr id="2" name="object 2"/>
+          <p:cNvGrpSpPr/>
+          <p:nvPr/>
+        </p:nvGrpSpPr>
+        <p:grpSpPr>
+          <a:xfrm>
+            <a:off x="0" y="0"/>
+            <a:ext cx="6954012" cy="10287000"/>
+            <a:chOff x="0" y="0"/>
+            <a:chExt cx="4636008" cy="6858000"/>
+          </a:xfrm>
+        </p:grpSpPr>
+        <p:pic>
+          <p:nvPicPr>
+            <p:cNvPr id="3" name="object 3"/>
+            <p:cNvPicPr/>
+            <p:nvPr/>
+          </p:nvPicPr>
+          <p:blipFill>
+            <a:blip r:embed="rId1" cstate="print"/>
+            <a:stretch>
+              <a:fillRect/>
+            </a:stretch>
+          </p:blipFill>
+          <p:spPr>
+            <a:xfrm>
+              <a:off x="0" y="0"/>
+              <a:ext cx="4636008" cy="6858000"/>
+            </a:xfrm>
+            <a:prstGeom prst="rect">
+              <a:avLst/>
+            </a:prstGeom>
+          </p:spPr>
+        </p:pic>
+        <p:pic>
+          <p:nvPicPr>
+            <p:cNvPr id="5" name="object 5"/>
+            <p:cNvPicPr/>
+            <p:nvPr/>
+          </p:nvPicPr>
+          <p:blipFill>
+            <a:blip r:embed="rId2" cstate="print"/>
+            <a:stretch>
+              <a:fillRect/>
+            </a:stretch>
+          </p:blipFill>
+          <p:spPr>
+            <a:xfrm>
+              <a:off x="0" y="45719"/>
+              <a:ext cx="48463" cy="640079"/>
+            </a:xfrm>
+            <a:prstGeom prst="rect">
+              <a:avLst/>
+            </a:prstGeom>
+          </p:spPr>
+        </p:pic>
+      </p:grpSp>
+      <p:sp>
+        <p:nvSpPr>
+          <p:cNvPr id="22" name="Slide Number Placeholder 21"/>
+          <p:cNvSpPr>
+            <a:spLocks noGrp="1"/>
+          </p:cNvSpPr>
+          <p:nvPr>
+            <p:ph type="sldNum" sz="quarter" idx="7"/>
+          </p:nvPr>
+        </p:nvSpPr>
+        <p:spPr>
+          <a:xfrm>
+            <a:off x="13167360" y="9566910"/>
+            <a:ext cx="4206240" cy="415290"/>
+          </a:xfrm>
+        </p:spPr>
+        <p:txBody>
+          <a:bodyPr/>
+          <a:p>
+            <a:fld id="{B6F15528-21DE-4FAA-801E-634DDDAF4B2B}" type="slidenum">
+              <a:rPr sz="2700"/>
+            </a:fld>
+            <a:endParaRPr sz="2700"/>
+          </a:p>
+        </p:txBody>
+      </p:sp>
+      <p:sp>
+        <p:nvSpPr>
+          <p:cNvPr id="23" name="object 3"/>
+          <p:cNvSpPr txBox="1"/>
+          <p:nvPr/>
+        </p:nvSpPr>
+        <p:spPr>
+          <a:xfrm>
+            <a:off x="27623" y="2857500"/>
+            <a:ext cx="6898958" cy="757555"/>
+          </a:xfrm>
+          <a:prstGeom prst="rect">
+            <a:avLst/>
+          </a:prstGeom>
+        </p:spPr>
+        <p:txBody>
+          <a:bodyPr vert="horz" wrap="square" lIns="0" tIns="19050" rIns="0" bIns="0" rtlCol="0">
+            <a:spAutoFit/>
+          </a:bodyPr>
+          <a:p>
+            <a:pPr marL="12700" algn="ctr">
+              <a:lnSpc>
+                <a:spcPct val="100000"/>
+              </a:lnSpc>
+              <a:spcBef>
+                <a:spcPts val="100"/>
+              </a:spcBef>
+            </a:pPr>
+            <a:r>
+              <a:rPr lang="en-US" sz="4800" spc="-80" dirty="0">
+                <a:solidFill>
+                  <a:srgbClr val="FFFFFF"/>
+                </a:solidFill>
+                <a:latin typeface="Microsoft Sans Serif" panose="020B0604020202020204"/>
+                <a:cs typeface="Microsoft Sans Serif" panose="020B0604020202020204"/>
+              </a:rPr>
+              <a:t>Assisted Practice</a:t>
+            </a:r>
+            <a:endParaRPr lang="en-US" sz="4800" spc="-80" dirty="0">
+              <a:solidFill>
+                <a:srgbClr val="FFFFFF"/>
+              </a:solidFill>
+              <a:latin typeface="Microsoft Sans Serif" panose="020B0604020202020204"/>
+              <a:cs typeface="Microsoft Sans Serif" panose="020B0604020202020204"/>
+            </a:endParaRPr>
+          </a:p>
+        </p:txBody>
+      </p:sp>
+      <p:sp>
+        <p:nvSpPr>
+          <p:cNvPr id="4" name="object 4"/>
+          <p:cNvSpPr txBox="1"/>
+          <p:nvPr/>
+        </p:nvSpPr>
+        <p:spPr>
+          <a:xfrm>
+            <a:off x="7543800" y="4610100"/>
+            <a:ext cx="10311765" cy="566420"/>
+          </a:xfrm>
+          <a:prstGeom prst="rect">
+            <a:avLst/>
+          </a:prstGeom>
+        </p:spPr>
+        <p:txBody>
+          <a:bodyPr vert="horz" wrap="square" lIns="0" tIns="12700" rIns="0" bIns="0" rtlCol="0">
+            <a:spAutoFit/>
+          </a:bodyPr>
+          <a:p>
+            <a:pPr marL="12700" algn="l">
+              <a:lnSpc>
+                <a:spcPct val="100000"/>
+              </a:lnSpc>
+              <a:spcBef>
+                <a:spcPts val="100"/>
+              </a:spcBef>
+              <a:buClrTx/>
+              <a:buSzTx/>
+              <a:buFontTx/>
+            </a:pPr>
+            <a:r>
+              <a:rPr sz="3600" b="1" spc="-40" dirty="0">
+                <a:solidFill>
+                  <a:srgbClr val="2A9FBC"/>
+                </a:solidFill>
+                <a:latin typeface="Arial" panose="020B0604020202020204"/>
+                <a:cs typeface="Arial" panose="020B0604020202020204"/>
+                <a:sym typeface="+mn-ea"/>
+              </a:rPr>
+              <a:t>Eager/Lazy Loading In Hibernate</a:t>
+            </a:r>
+            <a:endParaRPr sz="3600" b="1" spc="-40" dirty="0">
+              <a:solidFill>
+                <a:srgbClr val="2A9FBC"/>
+              </a:solidFill>
+              <a:latin typeface="Arial" panose="020B0604020202020204"/>
+              <a:cs typeface="Arial" panose="020B0604020202020204"/>
+              <a:sym typeface="+mn-ea"/>
+            </a:endParaRPr>
+          </a:p>
+        </p:txBody>
+      </p:sp>
+    </p:spTree>
+  </p:cSld>
+  <p:clrMapOvr>
+    <a:masterClrMapping/>
+  </p:clrMapOvr>
+</p:sld>
+</file>
+
+<file path=ppt/slides/slide15.xml><?xml version="1.0" encoding="utf-8"?>
+<p:sld xmlns:a="http://schemas.openxmlformats.org/drawingml/2006/main" xmlns:r="http://schemas.openxmlformats.org/officeDocument/2006/relationships" xmlns:p="http://schemas.openxmlformats.org/presentationml/2006/main">
+  <p:cSld>
+    <p:spTree>
+      <p:nvGrpSpPr>
+        <p:cNvPr id="1" name=""/>
+        <p:cNvGrpSpPr/>
+        <p:nvPr/>
+      </p:nvGrpSpPr>
+      <p:grpSpPr>
+        <a:xfrm>
+          <a:off x="0" y="0"/>
+          <a:ext cx="0" cy="0"/>
+          <a:chOff x="0" y="0"/>
+          <a:chExt cx="0" cy="0"/>
+        </a:xfrm>
+      </p:grpSpPr>
+      <p:grpSp>
+        <p:nvGrpSpPr>
+          <p:cNvPr id="2" name="object 2"/>
+          <p:cNvGrpSpPr/>
+          <p:nvPr/>
+        </p:nvGrpSpPr>
+        <p:grpSpPr>
+          <a:xfrm>
+            <a:off x="0" y="0"/>
+            <a:ext cx="6954012" cy="10287000"/>
+            <a:chOff x="0" y="0"/>
+            <a:chExt cx="4636008" cy="6858000"/>
+          </a:xfrm>
+        </p:grpSpPr>
+        <p:pic>
+          <p:nvPicPr>
+            <p:cNvPr id="3" name="object 3"/>
+            <p:cNvPicPr/>
+            <p:nvPr/>
+          </p:nvPicPr>
+          <p:blipFill>
+            <a:blip r:embed="rId1" cstate="print"/>
+            <a:stretch>
+              <a:fillRect/>
+            </a:stretch>
+          </p:blipFill>
+          <p:spPr>
+            <a:xfrm>
+              <a:off x="0" y="0"/>
+              <a:ext cx="4636008" cy="6858000"/>
+            </a:xfrm>
+            <a:prstGeom prst="rect">
+              <a:avLst/>
+            </a:prstGeom>
+          </p:spPr>
+        </p:pic>
+        <p:pic>
+          <p:nvPicPr>
+            <p:cNvPr id="5" name="object 5"/>
+            <p:cNvPicPr/>
+            <p:nvPr/>
+          </p:nvPicPr>
+          <p:blipFill>
+            <a:blip r:embed="rId2" cstate="print"/>
+            <a:stretch>
+              <a:fillRect/>
+            </a:stretch>
+          </p:blipFill>
+          <p:spPr>
+            <a:xfrm>
+              <a:off x="0" y="45719"/>
+              <a:ext cx="48463" cy="640079"/>
+            </a:xfrm>
+            <a:prstGeom prst="rect">
+              <a:avLst/>
+            </a:prstGeom>
+          </p:spPr>
+        </p:pic>
+      </p:grpSp>
+      <p:sp>
+        <p:nvSpPr>
+          <p:cNvPr id="22" name="Slide Number Placeholder 21"/>
+          <p:cNvSpPr>
+            <a:spLocks noGrp="1"/>
+          </p:cNvSpPr>
+          <p:nvPr>
+            <p:ph type="sldNum" sz="quarter" idx="7"/>
+          </p:nvPr>
+        </p:nvSpPr>
+        <p:spPr>
+          <a:xfrm>
+            <a:off x="13167360" y="9566910"/>
+            <a:ext cx="4206240" cy="415290"/>
+          </a:xfrm>
+        </p:spPr>
+        <p:txBody>
+          <a:bodyPr/>
+          <a:p>
+            <a:fld id="{B6F15528-21DE-4FAA-801E-634DDDAF4B2B}" type="slidenum">
+              <a:rPr sz="2700"/>
+            </a:fld>
+            <a:endParaRPr sz="2700"/>
+          </a:p>
+        </p:txBody>
+      </p:sp>
+      <p:sp>
+        <p:nvSpPr>
+          <p:cNvPr id="23" name="object 3"/>
+          <p:cNvSpPr txBox="1"/>
+          <p:nvPr/>
+        </p:nvSpPr>
+        <p:spPr>
+          <a:xfrm>
+            <a:off x="27623" y="2857500"/>
+            <a:ext cx="6898958" cy="757555"/>
+          </a:xfrm>
+          <a:prstGeom prst="rect">
+            <a:avLst/>
+          </a:prstGeom>
+        </p:spPr>
+        <p:txBody>
+          <a:bodyPr vert="horz" wrap="square" lIns="0" tIns="19050" rIns="0" bIns="0" rtlCol="0">
+            <a:spAutoFit/>
+          </a:bodyPr>
+          <a:p>
+            <a:pPr marL="12700" algn="ctr">
+              <a:lnSpc>
+                <a:spcPct val="100000"/>
+              </a:lnSpc>
+              <a:spcBef>
+                <a:spcPts val="100"/>
+              </a:spcBef>
+            </a:pPr>
+            <a:r>
+              <a:rPr lang="en-US" sz="4800" spc="-80" dirty="0">
+                <a:solidFill>
+                  <a:srgbClr val="FFFFFF"/>
+                </a:solidFill>
+                <a:latin typeface="Microsoft Sans Serif" panose="020B0604020202020204"/>
+                <a:cs typeface="Microsoft Sans Serif" panose="020B0604020202020204"/>
+              </a:rPr>
+              <a:t>Assisted Practice</a:t>
+            </a:r>
+            <a:endParaRPr lang="en-US" sz="4800" spc="-80" dirty="0">
+              <a:solidFill>
+                <a:srgbClr val="FFFFFF"/>
+              </a:solidFill>
+              <a:latin typeface="Microsoft Sans Serif" panose="020B0604020202020204"/>
+              <a:cs typeface="Microsoft Sans Serif" panose="020B0604020202020204"/>
+            </a:endParaRPr>
+          </a:p>
+        </p:txBody>
+      </p:sp>
+      <p:sp>
+        <p:nvSpPr>
+          <p:cNvPr id="4" name="object 4"/>
+          <p:cNvSpPr txBox="1"/>
+          <p:nvPr/>
+        </p:nvSpPr>
+        <p:spPr>
+          <a:xfrm>
+            <a:off x="7543800" y="4610100"/>
+            <a:ext cx="10311765" cy="566420"/>
+          </a:xfrm>
+          <a:prstGeom prst="rect">
+            <a:avLst/>
+          </a:prstGeom>
+        </p:spPr>
+        <p:txBody>
+          <a:bodyPr vert="horz" wrap="square" lIns="0" tIns="12700" rIns="0" bIns="0" rtlCol="0">
+            <a:spAutoFit/>
+          </a:bodyPr>
+          <a:p>
+            <a:pPr marL="12700" algn="l">
+              <a:lnSpc>
+                <a:spcPct val="100000"/>
+              </a:lnSpc>
+              <a:spcBef>
+                <a:spcPts val="100"/>
+              </a:spcBef>
+              <a:buClrTx/>
+              <a:buSzTx/>
+              <a:buFontTx/>
+            </a:pPr>
+            <a:r>
+              <a:rPr sz="3600" b="1" spc="-40" dirty="0">
+                <a:solidFill>
+                  <a:srgbClr val="2A9FBC"/>
+                </a:solidFill>
+                <a:latin typeface="Arial" panose="020B0604020202020204"/>
+                <a:cs typeface="Arial" panose="020B0604020202020204"/>
+                <a:sym typeface="+mn-ea"/>
+              </a:rPr>
+              <a:t>Integration of Hibernate with Spring</a:t>
             </a:r>
             <a:endParaRPr sz="3600" b="1" spc="-40" dirty="0">
               <a:solidFill>
